--- a/full/flask-text-translator/slides.pptx
+++ b/full/flask-text-translator/slides.pptx
@@ -289,7 +289,7 @@
           </a:lstStyle>
           <a:p>
             <a:fld id="{D641486C-203B-4D90-9029-B231351849C3}" type="datetimeFigureOut">
-              <a:t>2/1/2022</a:t>
+              <a:t>2/17/22</a:t>
             </a:fld>
             <a:endParaRPr/>
           </a:p>
@@ -4887,7 +4887,7 @@
         <p:fade/>
       </p:transition>
     </mc:Choice>
-    <mc:Fallback xmlns:p159="http://schemas.microsoft.com/office/powerpoint/2015/09/main" xmlns:p15="http://schemas.microsoft.com/office/powerpoint/2012/main" xmlns:a14="http://schemas.microsoft.com/office/drawing/2010/main" xmlns:wp="http://schemas.openxmlformats.org/drawingml/2006/wordprocessingDrawing" xmlns:w="http://schemas.openxmlformats.org/wordprocessingml/2006/main" xmlns:m="http://schemas.openxmlformats.org/officeDocument/2006/math" xmlns="">
+    <mc:Fallback xmlns="" xmlns:m="http://schemas.openxmlformats.org/officeDocument/2006/math" xmlns:w="http://schemas.openxmlformats.org/wordprocessingml/2006/main" xmlns:wp="http://schemas.openxmlformats.org/drawingml/2006/wordprocessingDrawing" xmlns:a14="http://schemas.microsoft.com/office/drawing/2010/main" xmlns:p15="http://schemas.microsoft.com/office/powerpoint/2012/main" xmlns:p159="http://schemas.microsoft.com/office/powerpoint/2015/09/main">
       <p:transition spd="med">
         <p:fade/>
       </p:transition>
@@ -8200,7 +8200,7 @@
         <p:fade/>
       </p:transition>
     </mc:Choice>
-    <mc:Fallback xmlns:p159="http://schemas.microsoft.com/office/powerpoint/2015/09/main" xmlns:p15="http://schemas.microsoft.com/office/powerpoint/2012/main" xmlns:a14="http://schemas.microsoft.com/office/drawing/2010/main" xmlns:wp="http://schemas.openxmlformats.org/drawingml/2006/wordprocessingDrawing" xmlns:w="http://schemas.openxmlformats.org/wordprocessingml/2006/main" xmlns:m="http://schemas.openxmlformats.org/officeDocument/2006/math" xmlns="">
+    <mc:Fallback xmlns="" xmlns:m="http://schemas.openxmlformats.org/officeDocument/2006/math" xmlns:w="http://schemas.openxmlformats.org/wordprocessingml/2006/main" xmlns:wp="http://schemas.openxmlformats.org/drawingml/2006/wordprocessingDrawing" xmlns:a14="http://schemas.microsoft.com/office/drawing/2010/main" xmlns:p15="http://schemas.microsoft.com/office/powerpoint/2012/main" xmlns:p159="http://schemas.microsoft.com/office/powerpoint/2015/09/main">
       <p:transition spd="med">
         <p:fade/>
       </p:transition>
@@ -15653,7 +15653,7 @@
         <p:fade/>
       </p:transition>
     </mc:Choice>
-    <mc:Fallback xmlns:p159="http://schemas.microsoft.com/office/powerpoint/2015/09/main" xmlns:p15="http://schemas.microsoft.com/office/powerpoint/2012/main" xmlns:a14="http://schemas.microsoft.com/office/drawing/2010/main" xmlns:wp="http://schemas.openxmlformats.org/drawingml/2006/wordprocessingDrawing" xmlns:w="http://schemas.openxmlformats.org/wordprocessingml/2006/main" xmlns:m="http://schemas.openxmlformats.org/officeDocument/2006/math" xmlns="">
+    <mc:Fallback xmlns="" xmlns:m="http://schemas.openxmlformats.org/officeDocument/2006/math" xmlns:w="http://schemas.openxmlformats.org/wordprocessingml/2006/main" xmlns:wp="http://schemas.openxmlformats.org/drawingml/2006/wordprocessingDrawing" xmlns:a14="http://schemas.microsoft.com/office/drawing/2010/main" xmlns:p15="http://schemas.microsoft.com/office/powerpoint/2012/main" xmlns:p159="http://schemas.microsoft.com/office/powerpoint/2015/09/main">
       <p:transition spd="med">
         <p:fade/>
       </p:transition>
@@ -16805,7 +16805,7 @@
         <p:fade/>
       </p:transition>
     </mc:Choice>
-    <mc:Fallback xmlns:p159="http://schemas.microsoft.com/office/powerpoint/2015/09/main" xmlns:p15="http://schemas.microsoft.com/office/powerpoint/2012/main" xmlns:a14="http://schemas.microsoft.com/office/drawing/2010/main" xmlns:wp="http://schemas.openxmlformats.org/drawingml/2006/wordprocessingDrawing" xmlns:w="http://schemas.openxmlformats.org/wordprocessingml/2006/main" xmlns:m="http://schemas.openxmlformats.org/officeDocument/2006/math" xmlns="">
+    <mc:Fallback xmlns="" xmlns:m="http://schemas.openxmlformats.org/officeDocument/2006/math" xmlns:w="http://schemas.openxmlformats.org/wordprocessingml/2006/main" xmlns:wp="http://schemas.openxmlformats.org/drawingml/2006/wordprocessingDrawing" xmlns:a14="http://schemas.microsoft.com/office/drawing/2010/main" xmlns:p15="http://schemas.microsoft.com/office/powerpoint/2012/main" xmlns:p159="http://schemas.microsoft.com/office/powerpoint/2015/09/main">
       <p:transition spd="med">
         <p:fade/>
       </p:transition>
@@ -16999,7 +16999,7 @@
         <p:fade/>
       </p:transition>
     </mc:Choice>
-    <mc:Fallback xmlns:p159="http://schemas.microsoft.com/office/powerpoint/2015/09/main" xmlns:p15="http://schemas.microsoft.com/office/powerpoint/2012/main" xmlns:a14="http://schemas.microsoft.com/office/drawing/2010/main" xmlns:wp="http://schemas.openxmlformats.org/drawingml/2006/wordprocessingDrawing" xmlns:w="http://schemas.openxmlformats.org/wordprocessingml/2006/main" xmlns:m="http://schemas.openxmlformats.org/officeDocument/2006/math" xmlns="">
+    <mc:Fallback xmlns="" xmlns:m="http://schemas.openxmlformats.org/officeDocument/2006/math" xmlns:w="http://schemas.openxmlformats.org/wordprocessingml/2006/main" xmlns:wp="http://schemas.openxmlformats.org/drawingml/2006/wordprocessingDrawing" xmlns:a14="http://schemas.microsoft.com/office/drawing/2010/main" xmlns:p15="http://schemas.microsoft.com/office/powerpoint/2012/main" xmlns:p159="http://schemas.microsoft.com/office/powerpoint/2015/09/main">
       <p:transition spd="med">
         <p:fade/>
       </p:transition>
@@ -17119,7 +17119,7 @@
         <p:fade/>
       </p:transition>
     </mc:Choice>
-    <mc:Fallback xmlns:p159="http://schemas.microsoft.com/office/powerpoint/2015/09/main" xmlns:p15="http://schemas.microsoft.com/office/powerpoint/2012/main" xmlns:a14="http://schemas.microsoft.com/office/drawing/2010/main" xmlns:wp="http://schemas.openxmlformats.org/drawingml/2006/wordprocessingDrawing" xmlns:w="http://schemas.openxmlformats.org/wordprocessingml/2006/main" xmlns:m="http://schemas.openxmlformats.org/officeDocument/2006/math" xmlns="">
+    <mc:Fallback xmlns="" xmlns:m="http://schemas.openxmlformats.org/officeDocument/2006/math" xmlns:w="http://schemas.openxmlformats.org/wordprocessingml/2006/main" xmlns:wp="http://schemas.openxmlformats.org/drawingml/2006/wordprocessingDrawing" xmlns:a14="http://schemas.microsoft.com/office/drawing/2010/main" xmlns:p15="http://schemas.microsoft.com/office/powerpoint/2012/main" xmlns:p159="http://schemas.microsoft.com/office/powerpoint/2015/09/main">
       <p:transition spd="med">
         <p:fade/>
       </p:transition>
@@ -18014,7 +18014,7 @@
         <p:fade/>
       </p:transition>
     </mc:Choice>
-    <mc:Fallback xmlns:p159="http://schemas.microsoft.com/office/powerpoint/2015/09/main" xmlns:p15="http://schemas.microsoft.com/office/powerpoint/2012/main" xmlns:a14="http://schemas.microsoft.com/office/drawing/2010/main" xmlns:wp="http://schemas.openxmlformats.org/drawingml/2006/wordprocessingDrawing" xmlns:w="http://schemas.openxmlformats.org/wordprocessingml/2006/main" xmlns:m="http://schemas.openxmlformats.org/officeDocument/2006/math" xmlns="">
+    <mc:Fallback xmlns="" xmlns:m="http://schemas.openxmlformats.org/officeDocument/2006/math" xmlns:w="http://schemas.openxmlformats.org/wordprocessingml/2006/main" xmlns:wp="http://schemas.openxmlformats.org/drawingml/2006/wordprocessingDrawing" xmlns:a14="http://schemas.microsoft.com/office/drawing/2010/main" xmlns:p15="http://schemas.microsoft.com/office/powerpoint/2012/main" xmlns:p159="http://schemas.microsoft.com/office/powerpoint/2015/09/main">
       <p:transition spd="med">
         <p:fade/>
       </p:transition>
@@ -26918,7 +26918,7 @@
         <p:spPr>
           <a:xfrm>
             <a:off x="584200" y="1435100"/>
-            <a:ext cx="11018838" cy="1465016"/>
+            <a:ext cx="4521200" cy="1465016"/>
           </a:xfrm>
         </p:spPr>
         <p:txBody>
@@ -26962,6 +26962,334 @@
               <a:t>Create machine learning models</a:t>
             </a:r>
             <a:endParaRPr lang="en-US" dirty="0"/>
+          </a:p>
+        </p:txBody>
+      </p:sp>
+      <p:sp>
+        <p:nvSpPr>
+          <p:cNvPr id="6" name="Rectangle 5">
+            <a:extLst>
+              <a:ext uri="{FF2B5EF4-FFF2-40B4-BE49-F238E27FC236}">
+                <a16:creationId xmlns:a16="http://schemas.microsoft.com/office/drawing/2014/main" id="{FB48FDF8-30BE-B040-AE32-6A8989D5F721}"/>
+              </a:ext>
+            </a:extLst>
+          </p:cNvPr>
+          <p:cNvSpPr/>
+          <p:nvPr/>
+        </p:nvSpPr>
+        <p:spPr bwMode="auto">
+          <a:xfrm>
+            <a:off x="6001415" y="1364712"/>
+            <a:ext cx="5715000" cy="4475202"/>
+          </a:xfrm>
+          <a:prstGeom prst="rect">
+            <a:avLst/>
+          </a:prstGeom>
+          <a:noFill/>
+          <a:ln w="9525" cap="flat" cmpd="sng" algn="ctr">
+            <a:solidFill>
+              <a:schemeClr val="accent1"/>
+            </a:solidFill>
+            <a:prstDash val="solid"/>
+            <a:round/>
+            <a:headEnd type="none" w="med" len="med"/>
+            <a:tailEnd type="none" w="med" len="med"/>
+          </a:ln>
+        </p:spPr>
+        <p:style>
+          <a:lnRef idx="0">
+            <a:scrgbClr r="0" g="0" b="0"/>
+          </a:lnRef>
+          <a:fillRef idx="0">
+            <a:scrgbClr r="0" g="0" b="0"/>
+          </a:fillRef>
+          <a:effectRef idx="0">
+            <a:scrgbClr r="0" g="0" b="0"/>
+          </a:effectRef>
+          <a:fontRef idx="minor">
+            <a:schemeClr val="accent1"/>
+          </a:fontRef>
+        </p:style>
+        <p:txBody>
+          <a:bodyPr rot="0" spcFirstLastPara="0" vert="horz" wrap="square" lIns="182880" tIns="146304" rIns="182880" bIns="146304" numCol="1" spcCol="0" rtlCol="0" fromWordArt="0" anchor="t" anchorCtr="0" forceAA="0" compatLnSpc="1">
+            <a:prstTxWarp prst="textNoShape">
+              <a:avLst/>
+            </a:prstTxWarp>
+            <a:noAutofit/>
+          </a:bodyPr>
+          <a:lstStyle>
+            <a:defPPr>
+              <a:defRPr lang="en-US"/>
+            </a:defPPr>
+            <a:lvl1pPr marL="0" algn="l" defTabSz="914367" rtl="0" eaLnBrk="1" latinLnBrk="0" hangingPunct="1">
+              <a:defRPr sz="1765" kern="1200">
+                <a:solidFill>
+                  <a:schemeClr val="accent1"/>
+                </a:solidFill>
+                <a:latin typeface="+mn-lt"/>
+                <a:ea typeface="+mn-ea"/>
+                <a:cs typeface="+mn-cs"/>
+              </a:defRPr>
+            </a:lvl1pPr>
+            <a:lvl2pPr marL="457183" algn="l" defTabSz="914367" rtl="0" eaLnBrk="1" latinLnBrk="0" hangingPunct="1">
+              <a:defRPr sz="1765" kern="1200">
+                <a:solidFill>
+                  <a:schemeClr val="accent1"/>
+                </a:solidFill>
+                <a:latin typeface="+mn-lt"/>
+                <a:ea typeface="+mn-ea"/>
+                <a:cs typeface="+mn-cs"/>
+              </a:defRPr>
+            </a:lvl2pPr>
+            <a:lvl3pPr marL="914367" algn="l" defTabSz="914367" rtl="0" eaLnBrk="1" latinLnBrk="0" hangingPunct="1">
+              <a:defRPr sz="1765" kern="1200">
+                <a:solidFill>
+                  <a:schemeClr val="accent1"/>
+                </a:solidFill>
+                <a:latin typeface="+mn-lt"/>
+                <a:ea typeface="+mn-ea"/>
+                <a:cs typeface="+mn-cs"/>
+              </a:defRPr>
+            </a:lvl3pPr>
+            <a:lvl4pPr marL="1371550" algn="l" defTabSz="914367" rtl="0" eaLnBrk="1" latinLnBrk="0" hangingPunct="1">
+              <a:defRPr sz="1765" kern="1200">
+                <a:solidFill>
+                  <a:schemeClr val="accent1"/>
+                </a:solidFill>
+                <a:latin typeface="+mn-lt"/>
+                <a:ea typeface="+mn-ea"/>
+                <a:cs typeface="+mn-cs"/>
+              </a:defRPr>
+            </a:lvl4pPr>
+            <a:lvl5pPr marL="1828734" algn="l" defTabSz="914367" rtl="0" eaLnBrk="1" latinLnBrk="0" hangingPunct="1">
+              <a:defRPr sz="1765" kern="1200">
+                <a:solidFill>
+                  <a:schemeClr val="accent1"/>
+                </a:solidFill>
+                <a:latin typeface="+mn-lt"/>
+                <a:ea typeface="+mn-ea"/>
+                <a:cs typeface="+mn-cs"/>
+              </a:defRPr>
+            </a:lvl5pPr>
+            <a:lvl6pPr marL="2285918" algn="l" defTabSz="914367" rtl="0" eaLnBrk="1" latinLnBrk="0" hangingPunct="1">
+              <a:defRPr sz="1765" kern="1200">
+                <a:solidFill>
+                  <a:schemeClr val="accent1"/>
+                </a:solidFill>
+                <a:latin typeface="+mn-lt"/>
+                <a:ea typeface="+mn-ea"/>
+                <a:cs typeface="+mn-cs"/>
+              </a:defRPr>
+            </a:lvl6pPr>
+            <a:lvl7pPr marL="2743101" algn="l" defTabSz="914367" rtl="0" eaLnBrk="1" latinLnBrk="0" hangingPunct="1">
+              <a:defRPr sz="1765" kern="1200">
+                <a:solidFill>
+                  <a:schemeClr val="accent1"/>
+                </a:solidFill>
+                <a:latin typeface="+mn-lt"/>
+                <a:ea typeface="+mn-ea"/>
+                <a:cs typeface="+mn-cs"/>
+              </a:defRPr>
+            </a:lvl7pPr>
+            <a:lvl8pPr marL="3200284" algn="l" defTabSz="914367" rtl="0" eaLnBrk="1" latinLnBrk="0" hangingPunct="1">
+              <a:defRPr sz="1765" kern="1200">
+                <a:solidFill>
+                  <a:schemeClr val="accent1"/>
+                </a:solidFill>
+                <a:latin typeface="+mn-lt"/>
+                <a:ea typeface="+mn-ea"/>
+                <a:cs typeface="+mn-cs"/>
+              </a:defRPr>
+            </a:lvl8pPr>
+            <a:lvl9pPr marL="3657469" algn="l" defTabSz="914367" rtl="0" eaLnBrk="1" latinLnBrk="0" hangingPunct="1">
+              <a:defRPr sz="1765" kern="1200">
+                <a:solidFill>
+                  <a:schemeClr val="accent1"/>
+                </a:solidFill>
+                <a:latin typeface="+mn-lt"/>
+                <a:ea typeface="+mn-ea"/>
+                <a:cs typeface="+mn-cs"/>
+              </a:defRPr>
+            </a:lvl9pPr>
+          </a:lstStyle>
+          <a:p>
+            <a:pPr algn="l" defTabSz="932472" fontAlgn="base">
+              <a:spcBef>
+                <a:spcPct val="0"/>
+              </a:spcBef>
+              <a:spcAft>
+                <a:spcPct val="0"/>
+              </a:spcAft>
+            </a:pPr>
+            <a:endParaRPr lang="en-US" sz="2000" dirty="0" err="1">
+              <a:solidFill>
+                <a:srgbClr val="FFFFFF"/>
+              </a:solidFill>
+              <a:ea typeface="Segoe UI" pitchFamily="34" charset="0"/>
+              <a:cs typeface="Segoe UI" pitchFamily="34" charset="0"/>
+            </a:endParaRPr>
+          </a:p>
+        </p:txBody>
+      </p:sp>
+      <p:sp>
+        <p:nvSpPr>
+          <p:cNvPr id="7" name="TextBox 10">
+            <a:extLst>
+              <a:ext uri="{FF2B5EF4-FFF2-40B4-BE49-F238E27FC236}">
+                <a16:creationId xmlns:a16="http://schemas.microsoft.com/office/drawing/2014/main" id="{BDFA5B89-ECF9-6F40-B90A-CAEB3980C3A9}"/>
+              </a:ext>
+            </a:extLst>
+          </p:cNvPr>
+          <p:cNvSpPr txBox="1"/>
+          <p:nvPr/>
+        </p:nvSpPr>
+        <p:spPr>
+          <a:xfrm>
+            <a:off x="6302586" y="1788614"/>
+            <a:ext cx="5211763" cy="4051300"/>
+          </a:xfrm>
+          <a:prstGeom prst="rect">
+            <a:avLst/>
+          </a:prstGeom>
+        </p:spPr>
+        <p:txBody>
+          <a:bodyPr vert="horz" wrap="square" lIns="0" tIns="0" rIns="0" bIns="0" rtlCol="0">
+            <a:normAutofit/>
+          </a:bodyPr>
+          <a:lstStyle>
+            <a:defPPr>
+              <a:defRPr lang="en-US"/>
+            </a:defPPr>
+            <a:lvl1pPr marL="0" algn="l" defTabSz="914367" rtl="0" eaLnBrk="1" latinLnBrk="0" hangingPunct="1">
+              <a:defRPr sz="1765" kern="1200">
+                <a:solidFill>
+                  <a:schemeClr val="tx1"/>
+                </a:solidFill>
+                <a:latin typeface="+mn-lt"/>
+                <a:ea typeface="+mn-ea"/>
+                <a:cs typeface="+mn-cs"/>
+              </a:defRPr>
+            </a:lvl1pPr>
+            <a:lvl2pPr marL="457183" algn="l" defTabSz="914367" rtl="0" eaLnBrk="1" latinLnBrk="0" hangingPunct="1">
+              <a:defRPr sz="1765" kern="1200">
+                <a:solidFill>
+                  <a:schemeClr val="tx1"/>
+                </a:solidFill>
+                <a:latin typeface="+mn-lt"/>
+                <a:ea typeface="+mn-ea"/>
+                <a:cs typeface="+mn-cs"/>
+              </a:defRPr>
+            </a:lvl2pPr>
+            <a:lvl3pPr marL="914367" algn="l" defTabSz="914367" rtl="0" eaLnBrk="1" latinLnBrk="0" hangingPunct="1">
+              <a:defRPr sz="1765" kern="1200">
+                <a:solidFill>
+                  <a:schemeClr val="tx1"/>
+                </a:solidFill>
+                <a:latin typeface="+mn-lt"/>
+                <a:ea typeface="+mn-ea"/>
+                <a:cs typeface="+mn-cs"/>
+              </a:defRPr>
+            </a:lvl3pPr>
+            <a:lvl4pPr marL="1371550" algn="l" defTabSz="914367" rtl="0" eaLnBrk="1" latinLnBrk="0" hangingPunct="1">
+              <a:defRPr sz="1765" kern="1200">
+                <a:solidFill>
+                  <a:schemeClr val="tx1"/>
+                </a:solidFill>
+                <a:latin typeface="+mn-lt"/>
+                <a:ea typeface="+mn-ea"/>
+                <a:cs typeface="+mn-cs"/>
+              </a:defRPr>
+            </a:lvl4pPr>
+            <a:lvl5pPr marL="1828734" algn="l" defTabSz="914367" rtl="0" eaLnBrk="1" latinLnBrk="0" hangingPunct="1">
+              <a:defRPr sz="1765" kern="1200">
+                <a:solidFill>
+                  <a:schemeClr val="tx1"/>
+                </a:solidFill>
+                <a:latin typeface="+mn-lt"/>
+                <a:ea typeface="+mn-ea"/>
+                <a:cs typeface="+mn-cs"/>
+              </a:defRPr>
+            </a:lvl5pPr>
+            <a:lvl6pPr marL="2285918" algn="l" defTabSz="914367" rtl="0" eaLnBrk="1" latinLnBrk="0" hangingPunct="1">
+              <a:defRPr sz="1765" kern="1200">
+                <a:solidFill>
+                  <a:schemeClr val="tx1"/>
+                </a:solidFill>
+                <a:latin typeface="+mn-lt"/>
+                <a:ea typeface="+mn-ea"/>
+                <a:cs typeface="+mn-cs"/>
+              </a:defRPr>
+            </a:lvl6pPr>
+            <a:lvl7pPr marL="2743101" algn="l" defTabSz="914367" rtl="0" eaLnBrk="1" latinLnBrk="0" hangingPunct="1">
+              <a:defRPr sz="1765" kern="1200">
+                <a:solidFill>
+                  <a:schemeClr val="tx1"/>
+                </a:solidFill>
+                <a:latin typeface="+mn-lt"/>
+                <a:ea typeface="+mn-ea"/>
+                <a:cs typeface="+mn-cs"/>
+              </a:defRPr>
+            </a:lvl7pPr>
+            <a:lvl8pPr marL="3200284" algn="l" defTabSz="914367" rtl="0" eaLnBrk="1" latinLnBrk="0" hangingPunct="1">
+              <a:defRPr sz="1765" kern="1200">
+                <a:solidFill>
+                  <a:schemeClr val="tx1"/>
+                </a:solidFill>
+                <a:latin typeface="+mn-lt"/>
+                <a:ea typeface="+mn-ea"/>
+                <a:cs typeface="+mn-cs"/>
+              </a:defRPr>
+            </a:lvl8pPr>
+            <a:lvl9pPr marL="3657469" algn="l" defTabSz="914367" rtl="0" eaLnBrk="1" latinLnBrk="0" hangingPunct="1">
+              <a:defRPr sz="1765" kern="1200">
+                <a:solidFill>
+                  <a:schemeClr val="tx1"/>
+                </a:solidFill>
+                <a:latin typeface="+mn-lt"/>
+                <a:ea typeface="+mn-ea"/>
+                <a:cs typeface="+mn-cs"/>
+              </a:defRPr>
+            </a:lvl9pPr>
+          </a:lstStyle>
+          <a:p>
+            <a:pPr defTabSz="932742">
+              <a:spcAft>
+                <a:spcPts val="600"/>
+              </a:spcAft>
+              <a:buSzPct val="90000"/>
+            </a:pPr>
+            <a:r>
+              <a:rPr lang="en-US" sz="2800" dirty="0"/>
+              <a:t>Please tell us how you liked this workshop by filling out this survey:</a:t>
+            </a:r>
+            <a:br>
+              <a:rPr lang="en-US" sz="2800" dirty="0"/>
+            </a:br>
+            <a:endParaRPr lang="en-US" sz="2800" dirty="0"/>
+          </a:p>
+          <a:p>
+            <a:pPr defTabSz="932742">
+              <a:spcAft>
+                <a:spcPts val="600"/>
+              </a:spcAft>
+              <a:buSzPct val="90000"/>
+            </a:pPr>
+            <a:r>
+              <a:rPr lang="en-US" sz="2800" dirty="0">
+                <a:hlinkClick r:id="rId5"/>
+              </a:rPr>
+              <a:t>https://aka.ms/workshopomatic-feedback</a:t>
+            </a:r>
+            <a:endParaRPr lang="en-US" sz="2800" dirty="0"/>
+          </a:p>
+          <a:p>
+            <a:pPr defTabSz="932742">
+              <a:spcAft>
+                <a:spcPts val="600"/>
+              </a:spcAft>
+              <a:buSzPct val="90000"/>
+            </a:pPr>
+            <a:endParaRPr lang="en-US" sz="2800" dirty="0"/>
           </a:p>
         </p:txBody>
       </p:sp>
